--- a/中越詩歌/凝聚_Kết lại.pptx
+++ b/中越詩歌/凝聚_Kết lại.pptx
@@ -5,33 +5,33 @@
     <p:sldMasterId id="2147483660" r:id="rId1"/>
   </p:sldMasterIdLst>
   <p:sldIdLst>
-    <p:sldId id="257" r:id="rId2"/>
-    <p:sldId id="258" r:id="rId3"/>
-    <p:sldId id="259" r:id="rId4"/>
-    <p:sldId id="260" r:id="rId5"/>
-    <p:sldId id="261" r:id="rId6"/>
-    <p:sldId id="262" r:id="rId7"/>
-    <p:sldId id="263" r:id="rId8"/>
-    <p:sldId id="264" r:id="rId9"/>
-    <p:sldId id="265" r:id="rId10"/>
-    <p:sldId id="266" r:id="rId11"/>
-    <p:sldId id="267" r:id="rId12"/>
-    <p:sldId id="268" r:id="rId13"/>
-    <p:sldId id="269" r:id="rId14"/>
-    <p:sldId id="270" r:id="rId15"/>
-    <p:sldId id="271" r:id="rId16"/>
-    <p:sldId id="272" r:id="rId17"/>
-    <p:sldId id="273" r:id="rId18"/>
-    <p:sldId id="274" r:id="rId19"/>
-    <p:sldId id="275" r:id="rId20"/>
-    <p:sldId id="276" r:id="rId21"/>
-    <p:sldId id="277" r:id="rId22"/>
-    <p:sldId id="278" r:id="rId23"/>
-    <p:sldId id="279" r:id="rId24"/>
-    <p:sldId id="280" r:id="rId25"/>
-    <p:sldId id="281" r:id="rId26"/>
-    <p:sldId id="282" r:id="rId27"/>
-    <p:sldId id="283" r:id="rId28"/>
+    <p:sldId id="256" r:id="rId2"/>
+    <p:sldId id="257" r:id="rId3"/>
+    <p:sldId id="258" r:id="rId4"/>
+    <p:sldId id="259" r:id="rId5"/>
+    <p:sldId id="260" r:id="rId6"/>
+    <p:sldId id="261" r:id="rId7"/>
+    <p:sldId id="262" r:id="rId8"/>
+    <p:sldId id="263" r:id="rId9"/>
+    <p:sldId id="264" r:id="rId10"/>
+    <p:sldId id="265" r:id="rId11"/>
+    <p:sldId id="266" r:id="rId12"/>
+    <p:sldId id="267" r:id="rId13"/>
+    <p:sldId id="268" r:id="rId14"/>
+    <p:sldId id="269" r:id="rId15"/>
+    <p:sldId id="270" r:id="rId16"/>
+    <p:sldId id="271" r:id="rId17"/>
+    <p:sldId id="272" r:id="rId18"/>
+    <p:sldId id="273" r:id="rId19"/>
+    <p:sldId id="274" r:id="rId20"/>
+    <p:sldId id="275" r:id="rId21"/>
+    <p:sldId id="276" r:id="rId22"/>
+    <p:sldId id="277" r:id="rId23"/>
+    <p:sldId id="278" r:id="rId24"/>
+    <p:sldId id="279" r:id="rId25"/>
+    <p:sldId id="280" r:id="rId26"/>
+    <p:sldId id="281" r:id="rId27"/>
+    <p:sldId id="282" r:id="rId28"/>
   </p:sldIdLst>
   <p:sldSz cx="12192000" cy="6858000"/>
   <p:notesSz cx="6858000" cy="9144000"/>
@@ -130,6 +130,11 @@
       </a:defRPr>
     </a:lvl9pPr>
   </p:defaultTextStyle>
+  <p:extLst>
+    <p:ext uri="{EFAFB233-063F-42B5-8137-9DF3F51BA10A}">
+      <p15:sldGuideLst xmlns:p15="http://schemas.microsoft.com/office/powerpoint/2012/main"/>
+    </p:ext>
+  </p:extLst>
 </p:presentation>
 </file>
 
@@ -314,7 +319,7 @@
           <a:p>
             <a:fld id="{A25B6B14-1DF5-48A0-9652-A4F1FF4ACA36}" type="datetimeFigureOut">
               <a:rPr lang="vi-VN" smtClean="0"/>
-              <a:t>10/02/2022</a:t>
+              <a:t>28/09/2022</a:t>
             </a:fld>
             <a:endParaRPr lang="vi-VN"/>
           </a:p>
@@ -484,7 +489,7 @@
           <a:p>
             <a:fld id="{A25B6B14-1DF5-48A0-9652-A4F1FF4ACA36}" type="datetimeFigureOut">
               <a:rPr lang="vi-VN" smtClean="0"/>
-              <a:t>10/02/2022</a:t>
+              <a:t>28/09/2022</a:t>
             </a:fld>
             <a:endParaRPr lang="vi-VN"/>
           </a:p>
@@ -664,7 +669,7 @@
           <a:p>
             <a:fld id="{A25B6B14-1DF5-48A0-9652-A4F1FF4ACA36}" type="datetimeFigureOut">
               <a:rPr lang="vi-VN" smtClean="0"/>
-              <a:t>10/02/2022</a:t>
+              <a:t>28/09/2022</a:t>
             </a:fld>
             <a:endParaRPr lang="vi-VN"/>
           </a:p>
@@ -834,7 +839,7 @@
           <a:p>
             <a:fld id="{A25B6B14-1DF5-48A0-9652-A4F1FF4ACA36}" type="datetimeFigureOut">
               <a:rPr lang="vi-VN" smtClean="0"/>
-              <a:t>10/02/2022</a:t>
+              <a:t>28/09/2022</a:t>
             </a:fld>
             <a:endParaRPr lang="vi-VN"/>
           </a:p>
@@ -1080,7 +1085,7 @@
           <a:p>
             <a:fld id="{A25B6B14-1DF5-48A0-9652-A4F1FF4ACA36}" type="datetimeFigureOut">
               <a:rPr lang="vi-VN" smtClean="0"/>
-              <a:t>10/02/2022</a:t>
+              <a:t>28/09/2022</a:t>
             </a:fld>
             <a:endParaRPr lang="vi-VN"/>
           </a:p>
@@ -1368,7 +1373,7 @@
           <a:p>
             <a:fld id="{A25B6B14-1DF5-48A0-9652-A4F1FF4ACA36}" type="datetimeFigureOut">
               <a:rPr lang="vi-VN" smtClean="0"/>
-              <a:t>10/02/2022</a:t>
+              <a:t>28/09/2022</a:t>
             </a:fld>
             <a:endParaRPr lang="vi-VN"/>
           </a:p>
@@ -1790,7 +1795,7 @@
           <a:p>
             <a:fld id="{A25B6B14-1DF5-48A0-9652-A4F1FF4ACA36}" type="datetimeFigureOut">
               <a:rPr lang="vi-VN" smtClean="0"/>
-              <a:t>10/02/2022</a:t>
+              <a:t>28/09/2022</a:t>
             </a:fld>
             <a:endParaRPr lang="vi-VN"/>
           </a:p>
@@ -1908,7 +1913,7 @@
           <a:p>
             <a:fld id="{A25B6B14-1DF5-48A0-9652-A4F1FF4ACA36}" type="datetimeFigureOut">
               <a:rPr lang="vi-VN" smtClean="0"/>
-              <a:t>10/02/2022</a:t>
+              <a:t>28/09/2022</a:t>
             </a:fld>
             <a:endParaRPr lang="vi-VN"/>
           </a:p>
@@ -2003,7 +2008,7 @@
           <a:p>
             <a:fld id="{A25B6B14-1DF5-48A0-9652-A4F1FF4ACA36}" type="datetimeFigureOut">
               <a:rPr lang="vi-VN" smtClean="0"/>
-              <a:t>10/02/2022</a:t>
+              <a:t>28/09/2022</a:t>
             </a:fld>
             <a:endParaRPr lang="vi-VN"/>
           </a:p>
@@ -2280,7 +2285,7 @@
           <a:p>
             <a:fld id="{A25B6B14-1DF5-48A0-9652-A4F1FF4ACA36}" type="datetimeFigureOut">
               <a:rPr lang="vi-VN" smtClean="0"/>
-              <a:t>10/02/2022</a:t>
+              <a:t>28/09/2022</a:t>
             </a:fld>
             <a:endParaRPr lang="vi-VN"/>
           </a:p>
@@ -2537,7 +2542,7 @@
           <a:p>
             <a:fld id="{A25B6B14-1DF5-48A0-9652-A4F1FF4ACA36}" type="datetimeFigureOut">
               <a:rPr lang="vi-VN" smtClean="0"/>
-              <a:t>10/02/2022</a:t>
+              <a:t>28/09/2022</a:t>
             </a:fld>
             <a:endParaRPr lang="vi-VN"/>
           </a:p>
@@ -2755,7 +2760,7 @@
           <a:p>
             <a:fld id="{A25B6B14-1DF5-48A0-9652-A4F1FF4ACA36}" type="datetimeFigureOut">
               <a:rPr lang="vi-VN" smtClean="0"/>
-              <a:t>10/02/2022</a:t>
+              <a:t>28/09/2022</a:t>
             </a:fld>
             <a:endParaRPr lang="vi-VN"/>
           </a:p>
@@ -3316,7 +3321,7 @@
     </p:spTree>
     <p:extLst>
       <p:ext uri="{BB962C8B-B14F-4D97-AF65-F5344CB8AC3E}">
-        <p14:creationId xmlns:p14="http://schemas.microsoft.com/office/powerpoint/2010/main" val="617478697"/>
+        <p14:creationId xmlns:p14="http://schemas.microsoft.com/office/powerpoint/2010/main" val="1701865080"/>
       </p:ext>
     </p:extLst>
   </p:cSld>
@@ -3777,7 +3782,7 @@
     </p:spTree>
     <p:extLst>
       <p:ext uri="{BB962C8B-B14F-4D97-AF65-F5344CB8AC3E}">
-        <p14:creationId xmlns:p14="http://schemas.microsoft.com/office/powerpoint/2010/main" val="46751374"/>
+        <p14:creationId xmlns:p14="http://schemas.microsoft.com/office/powerpoint/2010/main" val="4124198365"/>
       </p:ext>
     </p:extLst>
   </p:cSld>
@@ -4334,7 +4339,7 @@
     </p:spTree>
     <p:extLst>
       <p:ext uri="{BB962C8B-B14F-4D97-AF65-F5344CB8AC3E}">
-        <p14:creationId xmlns:p14="http://schemas.microsoft.com/office/powerpoint/2010/main" val="129742487"/>
+        <p14:creationId xmlns:p14="http://schemas.microsoft.com/office/powerpoint/2010/main" val="4077293953"/>
       </p:ext>
     </p:extLst>
   </p:cSld>
@@ -4891,7 +4896,7 @@
     </p:spTree>
     <p:extLst>
       <p:ext uri="{BB962C8B-B14F-4D97-AF65-F5344CB8AC3E}">
-        <p14:creationId xmlns:p14="http://schemas.microsoft.com/office/powerpoint/2010/main" val="2553551077"/>
+        <p14:creationId xmlns:p14="http://schemas.microsoft.com/office/powerpoint/2010/main" val="3011561709"/>
       </p:ext>
     </p:extLst>
   </p:cSld>
@@ -5209,19 +5214,7 @@
                 <a:ea typeface="微軟正黑體" pitchFamily="34" charset="-120"/>
                 <a:cs typeface="Calibri" panose="020F0502020204030204" pitchFamily="34" charset="0"/>
               </a:rPr>
-              <a:t>đ</a:t>
-            </a:r>
-            <a:r>
-              <a:rPr lang="en-US" sz="4000" b="1" dirty="0" err="1">
-                <a:solidFill>
-                  <a:srgbClr val="660033"/>
-                </a:solidFill>
-                <a:effectLst/>
-                <a:latin typeface="Calibri" panose="020F0502020204030204" pitchFamily="34" charset="0"/>
-                <a:ea typeface="微軟正黑體" pitchFamily="34" charset="-120"/>
-                <a:cs typeface="Calibri" panose="020F0502020204030204" pitchFamily="34" charset="0"/>
-              </a:rPr>
-              <a:t>i</a:t>
+              <a:t>đi</a:t>
             </a:r>
             <a:r>
               <a:rPr lang="en-US" sz="4000" b="1" dirty="0">
@@ -5364,7 +5357,7 @@
     </p:spTree>
     <p:extLst>
       <p:ext uri="{BB962C8B-B14F-4D97-AF65-F5344CB8AC3E}">
-        <p14:creationId xmlns:p14="http://schemas.microsoft.com/office/powerpoint/2010/main" val="3406860979"/>
+        <p14:creationId xmlns:p14="http://schemas.microsoft.com/office/powerpoint/2010/main" val="790495097"/>
       </p:ext>
     </p:extLst>
   </p:cSld>
@@ -5425,29 +5418,7 @@
                 <a:latin typeface="微軟正黑體" pitchFamily="34" charset="-120"/>
                 <a:ea typeface="微軟正黑體" pitchFamily="34" charset="-120"/>
               </a:rPr>
-              <a:t>是祢的救恩 </a:t>
-            </a:r>
-            <a:r>
-              <a:rPr lang="zh-CN" altLang="en-US" sz="6400" b="1" dirty="0">
-                <a:solidFill>
-                  <a:srgbClr val="000066"/>
-                </a:solidFill>
-                <a:effectLst/>
-                <a:latin typeface="微軟正黑體" pitchFamily="34" charset="-120"/>
-                <a:ea typeface="微軟正黑體" pitchFamily="34" charset="-120"/>
-              </a:rPr>
-              <a:t> 清</a:t>
-            </a:r>
-            <a:r>
-              <a:rPr lang="zh-CN" altLang="en-US" sz="6400" b="1" dirty="0">
-                <a:solidFill>
-                  <a:srgbClr val="000066"/>
-                </a:solidFill>
-                <a:effectLst/>
-                <a:latin typeface="微軟正黑體" pitchFamily="34" charset="-120"/>
-                <a:ea typeface="微軟正黑體" pitchFamily="34" charset="-120"/>
-              </a:rPr>
-              <a:t>洗我的罪 </a:t>
+              <a:t>是祢的救恩  清洗我的罪 </a:t>
             </a:r>
             <a:endParaRPr lang="en-US" altLang="zh-CN" sz="6400" b="1" dirty="0">
               <a:solidFill>
@@ -5946,7 +5917,7 @@
     </p:spTree>
     <p:extLst>
       <p:ext uri="{BB962C8B-B14F-4D97-AF65-F5344CB8AC3E}">
-        <p14:creationId xmlns:p14="http://schemas.microsoft.com/office/powerpoint/2010/main" val="3324994281"/>
+        <p14:creationId xmlns:p14="http://schemas.microsoft.com/office/powerpoint/2010/main" val="2858662958"/>
       </p:ext>
     </p:extLst>
   </p:cSld>
@@ -6007,29 +5978,7 @@
                 <a:latin typeface="微軟正黑體" pitchFamily="34" charset="-120"/>
                 <a:ea typeface="微軟正黑體" pitchFamily="34" charset="-120"/>
               </a:rPr>
-              <a:t>讓我跟祢走 </a:t>
-            </a:r>
-            <a:r>
-              <a:rPr lang="zh-CN" altLang="en-US" sz="6400" b="1" dirty="0">
-                <a:solidFill>
-                  <a:srgbClr val="000066"/>
-                </a:solidFill>
-                <a:effectLst/>
-                <a:latin typeface="微軟正黑體" pitchFamily="34" charset="-120"/>
-                <a:ea typeface="微軟正黑體" pitchFamily="34" charset="-120"/>
-              </a:rPr>
-              <a:t> 不</a:t>
-            </a:r>
-            <a:r>
-              <a:rPr lang="zh-CN" altLang="en-US" sz="6400" b="1" dirty="0">
-                <a:solidFill>
-                  <a:srgbClr val="000066"/>
-                </a:solidFill>
-                <a:effectLst/>
-                <a:latin typeface="微軟正黑體" pitchFamily="34" charset="-120"/>
-                <a:ea typeface="微軟正黑體" pitchFamily="34" charset="-120"/>
-              </a:rPr>
-              <a:t>驚也不懼 </a:t>
+              <a:t>讓我跟祢走  不驚也不懼 </a:t>
             </a:r>
             <a:endParaRPr lang="en-US" altLang="zh-CN" sz="6400" b="1" dirty="0">
               <a:solidFill>
@@ -6453,7 +6402,7 @@
     </p:spTree>
     <p:extLst>
       <p:ext uri="{BB962C8B-B14F-4D97-AF65-F5344CB8AC3E}">
-        <p14:creationId xmlns:p14="http://schemas.microsoft.com/office/powerpoint/2010/main" val="1461522298"/>
+        <p14:creationId xmlns:p14="http://schemas.microsoft.com/office/powerpoint/2010/main" val="1966607504"/>
       </p:ext>
     </p:extLst>
   </p:cSld>
@@ -6536,29 +6485,7 @@
                 <a:latin typeface="微軟正黑體" pitchFamily="34" charset="-120"/>
                 <a:ea typeface="微軟正黑體" pitchFamily="34" charset="-120"/>
               </a:rPr>
-              <a:t>奉</a:t>
-            </a:r>
-            <a:r>
-              <a:rPr lang="zh-CN" altLang="en-US" sz="6400" b="1" dirty="0">
-                <a:solidFill>
-                  <a:srgbClr val="000066"/>
-                </a:solidFill>
-                <a:effectLst/>
-                <a:latin typeface="微軟正黑體" pitchFamily="34" charset="-120"/>
-                <a:ea typeface="微軟正黑體" pitchFamily="34" charset="-120"/>
-              </a:rPr>
-              <a:t>守主</a:t>
-            </a:r>
-            <a:r>
-              <a:rPr lang="zh-CN" altLang="en-US" sz="6400" b="1" dirty="0">
-                <a:solidFill>
-                  <a:srgbClr val="000066"/>
-                </a:solidFill>
-                <a:effectLst/>
-                <a:latin typeface="微軟正黑體" pitchFamily="34" charset="-120"/>
-                <a:ea typeface="微軟正黑體" pitchFamily="34" charset="-120"/>
-              </a:rPr>
-              <a:t>的吩咐 </a:t>
+              <a:t>奉守主的吩咐 </a:t>
             </a:r>
             <a:endParaRPr lang="en-US" altLang="zh-CN" sz="6400" b="1" dirty="0">
               <a:solidFill>
@@ -6982,7 +6909,7 @@
     </p:spTree>
     <p:extLst>
       <p:ext uri="{BB962C8B-B14F-4D97-AF65-F5344CB8AC3E}">
-        <p14:creationId xmlns:p14="http://schemas.microsoft.com/office/powerpoint/2010/main" val="850999633"/>
+        <p14:creationId xmlns:p14="http://schemas.microsoft.com/office/powerpoint/2010/main" val="4172169871"/>
       </p:ext>
     </p:extLst>
   </p:cSld>
@@ -7467,7 +7394,7 @@
     </p:spTree>
     <p:extLst>
       <p:ext uri="{BB962C8B-B14F-4D97-AF65-F5344CB8AC3E}">
-        <p14:creationId xmlns:p14="http://schemas.microsoft.com/office/powerpoint/2010/main" val="2648767390"/>
+        <p14:creationId xmlns:p14="http://schemas.microsoft.com/office/powerpoint/2010/main" val="3766264369"/>
       </p:ext>
     </p:extLst>
   </p:cSld>
@@ -7912,7 +7839,18 @@
                 <a:latin typeface="Microsoft JhengHei" panose="020B0604030504040204" pitchFamily="34" charset="-120"/>
                 <a:ea typeface="Microsoft JhengHei" panose="020B0604030504040204" pitchFamily="34" charset="-120"/>
               </a:rPr>
-              <a:t>副</a:t>
+              <a:t>副 </a:t>
+            </a:r>
+            <a:r>
+              <a:rPr lang="en-US" altLang="zh-CN" sz="4267" b="1" dirty="0" smtClean="0">
+                <a:solidFill>
+                  <a:srgbClr val="000066"/>
+                </a:solidFill>
+                <a:effectLst/>
+                <a:latin typeface="Microsoft JhengHei" panose="020B0604030504040204" pitchFamily="34" charset="-120"/>
+                <a:ea typeface="Microsoft JhengHei" panose="020B0604030504040204" pitchFamily="34" charset="-120"/>
+              </a:rPr>
+              <a:t>2</a:t>
             </a:r>
             <a:r>
               <a:rPr lang="en-US" sz="4267" b="1" dirty="0" smtClean="0">
@@ -7950,7 +7888,7 @@
     </p:spTree>
     <p:extLst>
       <p:ext uri="{BB962C8B-B14F-4D97-AF65-F5344CB8AC3E}">
-        <p14:creationId xmlns:p14="http://schemas.microsoft.com/office/powerpoint/2010/main" val="3879833289"/>
+        <p14:creationId xmlns:p14="http://schemas.microsoft.com/office/powerpoint/2010/main" val="3001965130"/>
       </p:ext>
     </p:extLst>
   </p:cSld>
@@ -8454,50 +8392,45 @@
                 <a:solidFill>
                   <a:srgbClr val="000066"/>
                 </a:solidFill>
-                <a:effectLst/>
                 <a:latin typeface="Microsoft JhengHei" panose="020B0604030504040204" pitchFamily="34" charset="-120"/>
                 <a:ea typeface="Microsoft JhengHei" panose="020B0604030504040204" pitchFamily="34" charset="-120"/>
               </a:rPr>
               <a:t>( </a:t>
             </a:r>
             <a:r>
-              <a:rPr lang="zh-CN" altLang="en-US" sz="4267" b="1" dirty="0" smtClean="0">
+              <a:rPr lang="zh-CN" altLang="en-US" sz="4267" b="1" dirty="0">
                 <a:solidFill>
                   <a:srgbClr val="000066"/>
                 </a:solidFill>
-                <a:effectLst/>
                 <a:latin typeface="Microsoft JhengHei" panose="020B0604030504040204" pitchFamily="34" charset="-120"/>
                 <a:ea typeface="Microsoft JhengHei" panose="020B0604030504040204" pitchFamily="34" charset="-120"/>
               </a:rPr>
-              <a:t>副</a:t>
-            </a:r>
-            <a:r>
-              <a:rPr lang="en-US" sz="4267" b="1" dirty="0" smtClean="0">
+              <a:t>副 </a:t>
+            </a:r>
+            <a:r>
+              <a:rPr lang="en-US" altLang="zh-CN" sz="4267" b="1" dirty="0">
                 <a:solidFill>
                   <a:srgbClr val="000066"/>
                 </a:solidFill>
-                <a:effectLst/>
                 <a:latin typeface="Microsoft JhengHei" panose="020B0604030504040204" pitchFamily="34" charset="-120"/>
                 <a:ea typeface="Microsoft JhengHei" panose="020B0604030504040204" pitchFamily="34" charset="-120"/>
               </a:rPr>
-              <a:t> </a:t>
+              <a:t>2</a:t>
             </a:r>
             <a:r>
               <a:rPr lang="en-US" sz="4267" b="1" dirty="0">
                 <a:solidFill>
                   <a:srgbClr val="000066"/>
                 </a:solidFill>
-                <a:effectLst/>
                 <a:latin typeface="Microsoft JhengHei" panose="020B0604030504040204" pitchFamily="34" charset="-120"/>
                 <a:ea typeface="Microsoft JhengHei" panose="020B0604030504040204" pitchFamily="34" charset="-120"/>
               </a:rPr>
-              <a:t>)</a:t>
+              <a:t> )</a:t>
             </a:r>
             <a:endParaRPr lang="vi-VN" sz="4267" b="1" dirty="0">
               <a:solidFill>
                 <a:srgbClr val="000066"/>
               </a:solidFill>
-              <a:effectLst/>
               <a:latin typeface="Microsoft JhengHei" panose="020B0604030504040204" pitchFamily="34" charset="-120"/>
               <a:ea typeface="Microsoft JhengHei" panose="020B0604030504040204" pitchFamily="34" charset="-120"/>
             </a:endParaRPr>
@@ -8507,7 +8440,7 @@
     </p:spTree>
     <p:extLst>
       <p:ext uri="{BB962C8B-B14F-4D97-AF65-F5344CB8AC3E}">
-        <p14:creationId xmlns:p14="http://schemas.microsoft.com/office/powerpoint/2010/main" val="1745892529"/>
+        <p14:creationId xmlns:p14="http://schemas.microsoft.com/office/powerpoint/2010/main" val="1061602680"/>
       </p:ext>
     </p:extLst>
   </p:cSld>
@@ -9073,18 +9006,7 @@
                 <a:latin typeface="Microsoft JhengHei" panose="020B0604030504040204" pitchFamily="34" charset="-120"/>
                 <a:ea typeface="Microsoft JhengHei" panose="020B0604030504040204" pitchFamily="34" charset="-120"/>
               </a:rPr>
-              <a:t> </a:t>
-            </a:r>
-            <a:r>
-              <a:rPr lang="en-US" sz="4267" b="1" dirty="0">
-                <a:solidFill>
-                  <a:srgbClr val="000066"/>
-                </a:solidFill>
-                <a:effectLst/>
-                <a:latin typeface="Microsoft JhengHei" panose="020B0604030504040204" pitchFamily="34" charset="-120"/>
-                <a:ea typeface="Microsoft JhengHei" panose="020B0604030504040204" pitchFamily="34" charset="-120"/>
-              </a:rPr>
-              <a:t>)</a:t>
+              <a:t> )</a:t>
             </a:r>
             <a:endParaRPr lang="vi-VN" sz="4267" b="1" dirty="0">
               <a:solidFill>
@@ -9100,7 +9022,7 @@
     </p:spTree>
     <p:extLst>
       <p:ext uri="{BB962C8B-B14F-4D97-AF65-F5344CB8AC3E}">
-        <p14:creationId xmlns:p14="http://schemas.microsoft.com/office/powerpoint/2010/main" val="2456978314"/>
+        <p14:creationId xmlns:p14="http://schemas.microsoft.com/office/powerpoint/2010/main" val="2386178804"/>
       </p:ext>
     </p:extLst>
   </p:cSld>
@@ -9604,50 +9526,45 @@
                 <a:solidFill>
                   <a:srgbClr val="000066"/>
                 </a:solidFill>
-                <a:effectLst/>
                 <a:latin typeface="Microsoft JhengHei" panose="020B0604030504040204" pitchFamily="34" charset="-120"/>
                 <a:ea typeface="Microsoft JhengHei" panose="020B0604030504040204" pitchFamily="34" charset="-120"/>
               </a:rPr>
               <a:t>( </a:t>
             </a:r>
             <a:r>
-              <a:rPr lang="zh-CN" altLang="en-US" sz="4267" b="1" dirty="0" smtClean="0">
+              <a:rPr lang="zh-CN" altLang="en-US" sz="4267" b="1" dirty="0">
                 <a:solidFill>
                   <a:srgbClr val="000066"/>
                 </a:solidFill>
-                <a:effectLst/>
                 <a:latin typeface="Microsoft JhengHei" panose="020B0604030504040204" pitchFamily="34" charset="-120"/>
                 <a:ea typeface="Microsoft JhengHei" panose="020B0604030504040204" pitchFamily="34" charset="-120"/>
               </a:rPr>
-              <a:t>副</a:t>
-            </a:r>
-            <a:r>
-              <a:rPr lang="en-US" sz="4267" b="1" dirty="0" smtClean="0">
+              <a:t>副 </a:t>
+            </a:r>
+            <a:r>
+              <a:rPr lang="en-US" altLang="zh-CN" sz="4267" b="1" dirty="0">
                 <a:solidFill>
                   <a:srgbClr val="000066"/>
                 </a:solidFill>
-                <a:effectLst/>
                 <a:latin typeface="Microsoft JhengHei" panose="020B0604030504040204" pitchFamily="34" charset="-120"/>
                 <a:ea typeface="Microsoft JhengHei" panose="020B0604030504040204" pitchFamily="34" charset="-120"/>
               </a:rPr>
-              <a:t> </a:t>
+              <a:t>2</a:t>
             </a:r>
             <a:r>
               <a:rPr lang="en-US" sz="4267" b="1" dirty="0">
                 <a:solidFill>
                   <a:srgbClr val="000066"/>
                 </a:solidFill>
-                <a:effectLst/>
                 <a:latin typeface="Microsoft JhengHei" panose="020B0604030504040204" pitchFamily="34" charset="-120"/>
                 <a:ea typeface="Microsoft JhengHei" panose="020B0604030504040204" pitchFamily="34" charset="-120"/>
               </a:rPr>
-              <a:t>)</a:t>
+              <a:t> )</a:t>
             </a:r>
             <a:endParaRPr lang="vi-VN" sz="4267" b="1" dirty="0">
               <a:solidFill>
                 <a:srgbClr val="000066"/>
               </a:solidFill>
-              <a:effectLst/>
               <a:latin typeface="Microsoft JhengHei" panose="020B0604030504040204" pitchFamily="34" charset="-120"/>
               <a:ea typeface="Microsoft JhengHei" panose="020B0604030504040204" pitchFamily="34" charset="-120"/>
             </a:endParaRPr>
@@ -9657,7 +9574,7 @@
     </p:spTree>
     <p:extLst>
       <p:ext uri="{BB962C8B-B14F-4D97-AF65-F5344CB8AC3E}">
-        <p14:creationId xmlns:p14="http://schemas.microsoft.com/office/powerpoint/2010/main" val="3742439484"/>
+        <p14:creationId xmlns:p14="http://schemas.microsoft.com/office/powerpoint/2010/main" val="3308543991"/>
       </p:ext>
     </p:extLst>
   </p:cSld>
@@ -9975,19 +9892,7 @@
                 <a:ea typeface="微軟正黑體" pitchFamily="34" charset="-120"/>
                 <a:cs typeface="Calibri" panose="020F0502020204030204" pitchFamily="34" charset="0"/>
               </a:rPr>
-              <a:t>đ</a:t>
-            </a:r>
-            <a:r>
-              <a:rPr lang="en-US" sz="4000" b="1" dirty="0" err="1">
-                <a:solidFill>
-                  <a:srgbClr val="660033"/>
-                </a:solidFill>
-                <a:effectLst/>
-                <a:latin typeface="Calibri" panose="020F0502020204030204" pitchFamily="34" charset="0"/>
-                <a:ea typeface="微軟正黑體" pitchFamily="34" charset="-120"/>
-                <a:cs typeface="Calibri" panose="020F0502020204030204" pitchFamily="34" charset="0"/>
-              </a:rPr>
-              <a:t>i</a:t>
+              <a:t>đi</a:t>
             </a:r>
             <a:r>
               <a:rPr lang="en-US" sz="4000" b="1" dirty="0">
@@ -10077,50 +9982,45 @@
                 <a:solidFill>
                   <a:srgbClr val="000066"/>
                 </a:solidFill>
-                <a:effectLst/>
                 <a:latin typeface="Microsoft JhengHei" panose="020B0604030504040204" pitchFamily="34" charset="-120"/>
                 <a:ea typeface="Microsoft JhengHei" panose="020B0604030504040204" pitchFamily="34" charset="-120"/>
               </a:rPr>
               <a:t>( </a:t>
             </a:r>
             <a:r>
-              <a:rPr lang="zh-CN" altLang="en-US" sz="4267" b="1" dirty="0" smtClean="0">
+              <a:rPr lang="zh-CN" altLang="en-US" sz="4267" b="1" dirty="0">
                 <a:solidFill>
                   <a:srgbClr val="000066"/>
                 </a:solidFill>
-                <a:effectLst/>
                 <a:latin typeface="Microsoft JhengHei" panose="020B0604030504040204" pitchFamily="34" charset="-120"/>
                 <a:ea typeface="Microsoft JhengHei" panose="020B0604030504040204" pitchFamily="34" charset="-120"/>
               </a:rPr>
-              <a:t>副</a:t>
-            </a:r>
-            <a:r>
-              <a:rPr lang="en-US" sz="4267" b="1" dirty="0" smtClean="0">
+              <a:t>副 </a:t>
+            </a:r>
+            <a:r>
+              <a:rPr lang="en-US" altLang="zh-CN" sz="4267" b="1" dirty="0">
                 <a:solidFill>
                   <a:srgbClr val="000066"/>
                 </a:solidFill>
-                <a:effectLst/>
                 <a:latin typeface="Microsoft JhengHei" panose="020B0604030504040204" pitchFamily="34" charset="-120"/>
                 <a:ea typeface="Microsoft JhengHei" panose="020B0604030504040204" pitchFamily="34" charset="-120"/>
               </a:rPr>
-              <a:t> </a:t>
+              <a:t>2</a:t>
             </a:r>
             <a:r>
               <a:rPr lang="en-US" sz="4267" b="1" dirty="0">
                 <a:solidFill>
                   <a:srgbClr val="000066"/>
                 </a:solidFill>
-                <a:effectLst/>
                 <a:latin typeface="Microsoft JhengHei" panose="020B0604030504040204" pitchFamily="34" charset="-120"/>
                 <a:ea typeface="Microsoft JhengHei" panose="020B0604030504040204" pitchFamily="34" charset="-120"/>
               </a:rPr>
-              <a:t>)</a:t>
+              <a:t> )</a:t>
             </a:r>
             <a:endParaRPr lang="vi-VN" sz="4267" b="1" dirty="0">
               <a:solidFill>
                 <a:srgbClr val="000066"/>
               </a:solidFill>
-              <a:effectLst/>
               <a:latin typeface="Microsoft JhengHei" panose="020B0604030504040204" pitchFamily="34" charset="-120"/>
               <a:ea typeface="Microsoft JhengHei" panose="020B0604030504040204" pitchFamily="34" charset="-120"/>
             </a:endParaRPr>
@@ -10130,7 +10030,7 @@
     </p:spTree>
     <p:extLst>
       <p:ext uri="{BB962C8B-B14F-4D97-AF65-F5344CB8AC3E}">
-        <p14:creationId xmlns:p14="http://schemas.microsoft.com/office/powerpoint/2010/main" val="3340208494"/>
+        <p14:creationId xmlns:p14="http://schemas.microsoft.com/office/powerpoint/2010/main" val="4010198411"/>
       </p:ext>
     </p:extLst>
   </p:cSld>
@@ -10191,40 +10091,7 @@
                 <a:latin typeface="微軟正黑體" pitchFamily="34" charset="-120"/>
                 <a:ea typeface="微軟正黑體" pitchFamily="34" charset="-120"/>
               </a:rPr>
-              <a:t>謝祢的救恩 </a:t>
-            </a:r>
-            <a:r>
-              <a:rPr lang="zh-CN" altLang="en-US" sz="6400" b="1" dirty="0">
-                <a:solidFill>
-                  <a:srgbClr val="000066"/>
-                </a:solidFill>
-                <a:effectLst/>
-                <a:latin typeface="微軟正黑體" pitchFamily="34" charset="-120"/>
-                <a:ea typeface="微軟正黑體" pitchFamily="34" charset="-120"/>
-              </a:rPr>
-              <a:t> 清</a:t>
-            </a:r>
-            <a:r>
-              <a:rPr lang="zh-CN" altLang="en-US" sz="6400" b="1" dirty="0">
-                <a:solidFill>
-                  <a:srgbClr val="000066"/>
-                </a:solidFill>
-                <a:effectLst/>
-                <a:latin typeface="微軟正黑體" pitchFamily="34" charset="-120"/>
-                <a:ea typeface="微軟正黑體" pitchFamily="34" charset="-120"/>
-              </a:rPr>
-              <a:t>洗我的</a:t>
-            </a:r>
-            <a:r>
-              <a:rPr lang="zh-CN" altLang="en-US" sz="6400" b="1" dirty="0">
-                <a:solidFill>
-                  <a:srgbClr val="000066"/>
-                </a:solidFill>
-                <a:effectLst/>
-                <a:latin typeface="微軟正黑體" pitchFamily="34" charset="-120"/>
-                <a:ea typeface="微軟正黑體" pitchFamily="34" charset="-120"/>
-              </a:rPr>
-              <a:t>罪</a:t>
+              <a:t>謝祢的救恩  清洗我的罪</a:t>
             </a:r>
             <a:endParaRPr lang="en-US" altLang="zh-CN" sz="6400" b="1" dirty="0">
               <a:solidFill>
@@ -10670,50 +10537,45 @@
                 <a:solidFill>
                   <a:srgbClr val="000066"/>
                 </a:solidFill>
-                <a:effectLst/>
                 <a:latin typeface="Microsoft JhengHei" panose="020B0604030504040204" pitchFamily="34" charset="-120"/>
                 <a:ea typeface="Microsoft JhengHei" panose="020B0604030504040204" pitchFamily="34" charset="-120"/>
               </a:rPr>
               <a:t>( </a:t>
             </a:r>
             <a:r>
-              <a:rPr lang="zh-CN" altLang="en-US" sz="4267" b="1" dirty="0" smtClean="0">
+              <a:rPr lang="zh-CN" altLang="en-US" sz="4267" b="1" dirty="0">
                 <a:solidFill>
                   <a:srgbClr val="000066"/>
                 </a:solidFill>
-                <a:effectLst/>
                 <a:latin typeface="Microsoft JhengHei" panose="020B0604030504040204" pitchFamily="34" charset="-120"/>
                 <a:ea typeface="Microsoft JhengHei" panose="020B0604030504040204" pitchFamily="34" charset="-120"/>
               </a:rPr>
-              <a:t>副</a:t>
-            </a:r>
-            <a:r>
-              <a:rPr lang="en-US" sz="4267" b="1" dirty="0" smtClean="0">
+              <a:t>副 </a:t>
+            </a:r>
+            <a:r>
+              <a:rPr lang="en-US" altLang="zh-CN" sz="4267" b="1" dirty="0">
                 <a:solidFill>
                   <a:srgbClr val="000066"/>
                 </a:solidFill>
-                <a:effectLst/>
                 <a:latin typeface="Microsoft JhengHei" panose="020B0604030504040204" pitchFamily="34" charset="-120"/>
                 <a:ea typeface="Microsoft JhengHei" panose="020B0604030504040204" pitchFamily="34" charset="-120"/>
               </a:rPr>
-              <a:t> </a:t>
+              <a:t>2</a:t>
             </a:r>
             <a:r>
               <a:rPr lang="en-US" sz="4267" b="1" dirty="0">
                 <a:solidFill>
                   <a:srgbClr val="000066"/>
                 </a:solidFill>
-                <a:effectLst/>
                 <a:latin typeface="Microsoft JhengHei" panose="020B0604030504040204" pitchFamily="34" charset="-120"/>
                 <a:ea typeface="Microsoft JhengHei" panose="020B0604030504040204" pitchFamily="34" charset="-120"/>
               </a:rPr>
-              <a:t>)</a:t>
+              <a:t> )</a:t>
             </a:r>
             <a:endParaRPr lang="vi-VN" sz="4267" b="1" dirty="0">
               <a:solidFill>
                 <a:srgbClr val="000066"/>
               </a:solidFill>
-              <a:effectLst/>
               <a:latin typeface="Microsoft JhengHei" panose="020B0604030504040204" pitchFamily="34" charset="-120"/>
               <a:ea typeface="Microsoft JhengHei" panose="020B0604030504040204" pitchFamily="34" charset="-120"/>
             </a:endParaRPr>
@@ -10723,7 +10585,7 @@
     </p:spTree>
     <p:extLst>
       <p:ext uri="{BB962C8B-B14F-4D97-AF65-F5344CB8AC3E}">
-        <p14:creationId xmlns:p14="http://schemas.microsoft.com/office/powerpoint/2010/main" val="405827481"/>
+        <p14:creationId xmlns:p14="http://schemas.microsoft.com/office/powerpoint/2010/main" val="3738646863"/>
       </p:ext>
     </p:extLst>
   </p:cSld>
@@ -10784,29 +10646,7 @@
                 <a:latin typeface="微軟正黑體" pitchFamily="34" charset="-120"/>
                 <a:ea typeface="微軟正黑體" pitchFamily="34" charset="-120"/>
               </a:rPr>
-              <a:t>讓我牽祢手 </a:t>
-            </a:r>
-            <a:r>
-              <a:rPr lang="zh-CN" altLang="en-US" sz="6400" b="1" dirty="0">
-                <a:solidFill>
-                  <a:srgbClr val="000066"/>
-                </a:solidFill>
-                <a:effectLst/>
-                <a:latin typeface="微軟正黑體" pitchFamily="34" charset="-120"/>
-                <a:ea typeface="微軟正黑體" pitchFamily="34" charset="-120"/>
-              </a:rPr>
-              <a:t> 奔</a:t>
-            </a:r>
-            <a:r>
-              <a:rPr lang="zh-CN" altLang="en-US" sz="6400" b="1" dirty="0">
-                <a:solidFill>
-                  <a:srgbClr val="000066"/>
-                </a:solidFill>
-                <a:effectLst/>
-                <a:latin typeface="微軟正黑體" pitchFamily="34" charset="-120"/>
-                <a:ea typeface="微軟正黑體" pitchFamily="34" charset="-120"/>
-              </a:rPr>
-              <a:t>走再不累</a:t>
+              <a:t>讓我牽祢手  奔走再不累</a:t>
             </a:r>
             <a:endParaRPr lang="en-US" altLang="zh-CN" sz="6400" b="1" dirty="0">
               <a:solidFill>
@@ -11225,50 +11065,45 @@
                 <a:solidFill>
                   <a:srgbClr val="000066"/>
                 </a:solidFill>
-                <a:effectLst/>
                 <a:latin typeface="Microsoft JhengHei" panose="020B0604030504040204" pitchFamily="34" charset="-120"/>
                 <a:ea typeface="Microsoft JhengHei" panose="020B0604030504040204" pitchFamily="34" charset="-120"/>
               </a:rPr>
               <a:t>( </a:t>
             </a:r>
             <a:r>
-              <a:rPr lang="zh-CN" altLang="en-US" sz="4267" b="1" dirty="0" smtClean="0">
+              <a:rPr lang="zh-CN" altLang="en-US" sz="4267" b="1" dirty="0">
                 <a:solidFill>
                   <a:srgbClr val="000066"/>
                 </a:solidFill>
-                <a:effectLst/>
                 <a:latin typeface="Microsoft JhengHei" panose="020B0604030504040204" pitchFamily="34" charset="-120"/>
                 <a:ea typeface="Microsoft JhengHei" panose="020B0604030504040204" pitchFamily="34" charset="-120"/>
               </a:rPr>
-              <a:t>副</a:t>
-            </a:r>
-            <a:r>
-              <a:rPr lang="en-US" sz="4267" b="1" dirty="0" smtClean="0">
+              <a:t>副 </a:t>
+            </a:r>
+            <a:r>
+              <a:rPr lang="en-US" altLang="zh-CN" sz="4267" b="1" dirty="0">
                 <a:solidFill>
                   <a:srgbClr val="000066"/>
                 </a:solidFill>
-                <a:effectLst/>
                 <a:latin typeface="Microsoft JhengHei" panose="020B0604030504040204" pitchFamily="34" charset="-120"/>
                 <a:ea typeface="Microsoft JhengHei" panose="020B0604030504040204" pitchFamily="34" charset="-120"/>
               </a:rPr>
-              <a:t> </a:t>
+              <a:t>2</a:t>
             </a:r>
             <a:r>
               <a:rPr lang="en-US" sz="4267" b="1" dirty="0">
                 <a:solidFill>
                   <a:srgbClr val="000066"/>
                 </a:solidFill>
-                <a:effectLst/>
                 <a:latin typeface="Microsoft JhengHei" panose="020B0604030504040204" pitchFamily="34" charset="-120"/>
                 <a:ea typeface="Microsoft JhengHei" panose="020B0604030504040204" pitchFamily="34" charset="-120"/>
               </a:rPr>
-              <a:t>)</a:t>
+              <a:t> )</a:t>
             </a:r>
             <a:endParaRPr lang="vi-VN" sz="4267" b="1" dirty="0">
               <a:solidFill>
                 <a:srgbClr val="000066"/>
               </a:solidFill>
-              <a:effectLst/>
               <a:latin typeface="Microsoft JhengHei" panose="020B0604030504040204" pitchFamily="34" charset="-120"/>
               <a:ea typeface="Microsoft JhengHei" panose="020B0604030504040204" pitchFamily="34" charset="-120"/>
             </a:endParaRPr>
@@ -11278,7 +11113,7 @@
     </p:spTree>
     <p:extLst>
       <p:ext uri="{BB962C8B-B14F-4D97-AF65-F5344CB8AC3E}">
-        <p14:creationId xmlns:p14="http://schemas.microsoft.com/office/powerpoint/2010/main" val="1331920465"/>
+        <p14:creationId xmlns:p14="http://schemas.microsoft.com/office/powerpoint/2010/main" val="63182417"/>
       </p:ext>
     </p:extLst>
   </p:cSld>
@@ -11778,50 +11613,45 @@
                 <a:solidFill>
                   <a:srgbClr val="000066"/>
                 </a:solidFill>
-                <a:effectLst/>
                 <a:latin typeface="Microsoft JhengHei" panose="020B0604030504040204" pitchFamily="34" charset="-120"/>
                 <a:ea typeface="Microsoft JhengHei" panose="020B0604030504040204" pitchFamily="34" charset="-120"/>
               </a:rPr>
               <a:t>( </a:t>
             </a:r>
             <a:r>
-              <a:rPr lang="zh-CN" altLang="en-US" sz="4267" b="1" dirty="0" smtClean="0">
+              <a:rPr lang="zh-CN" altLang="en-US" sz="4267" b="1" dirty="0">
                 <a:solidFill>
                   <a:srgbClr val="000066"/>
                 </a:solidFill>
-                <a:effectLst/>
                 <a:latin typeface="Microsoft JhengHei" panose="020B0604030504040204" pitchFamily="34" charset="-120"/>
                 <a:ea typeface="Microsoft JhengHei" panose="020B0604030504040204" pitchFamily="34" charset="-120"/>
               </a:rPr>
-              <a:t>副</a:t>
-            </a:r>
-            <a:r>
-              <a:rPr lang="en-US" sz="4267" b="1" dirty="0" smtClean="0">
+              <a:t>副 </a:t>
+            </a:r>
+            <a:r>
+              <a:rPr lang="en-US" altLang="zh-CN" sz="4267" b="1" dirty="0">
                 <a:solidFill>
                   <a:srgbClr val="000066"/>
                 </a:solidFill>
-                <a:effectLst/>
                 <a:latin typeface="Microsoft JhengHei" panose="020B0604030504040204" pitchFamily="34" charset="-120"/>
                 <a:ea typeface="Microsoft JhengHei" panose="020B0604030504040204" pitchFamily="34" charset="-120"/>
               </a:rPr>
-              <a:t> </a:t>
+              <a:t>2</a:t>
             </a:r>
             <a:r>
               <a:rPr lang="en-US" sz="4267" b="1" dirty="0">
                 <a:solidFill>
                   <a:srgbClr val="000066"/>
                 </a:solidFill>
-                <a:effectLst/>
                 <a:latin typeface="Microsoft JhengHei" panose="020B0604030504040204" pitchFamily="34" charset="-120"/>
                 <a:ea typeface="Microsoft JhengHei" panose="020B0604030504040204" pitchFamily="34" charset="-120"/>
               </a:rPr>
-              <a:t>)</a:t>
+              <a:t> )</a:t>
             </a:r>
             <a:endParaRPr lang="vi-VN" sz="4267" b="1" dirty="0">
               <a:solidFill>
                 <a:srgbClr val="000066"/>
               </a:solidFill>
-              <a:effectLst/>
               <a:latin typeface="Microsoft JhengHei" panose="020B0604030504040204" pitchFamily="34" charset="-120"/>
               <a:ea typeface="Microsoft JhengHei" panose="020B0604030504040204" pitchFamily="34" charset="-120"/>
             </a:endParaRPr>
@@ -11831,7 +11661,7 @@
     </p:spTree>
     <p:extLst>
       <p:ext uri="{BB962C8B-B14F-4D97-AF65-F5344CB8AC3E}">
-        <p14:creationId xmlns:p14="http://schemas.microsoft.com/office/powerpoint/2010/main" val="1811420607"/>
+        <p14:creationId xmlns:p14="http://schemas.microsoft.com/office/powerpoint/2010/main" val="1787366864"/>
       </p:ext>
     </p:extLst>
   </p:cSld>
@@ -12287,50 +12117,45 @@
                 <a:solidFill>
                   <a:srgbClr val="000066"/>
                 </a:solidFill>
-                <a:effectLst/>
                 <a:latin typeface="Microsoft JhengHei" panose="020B0604030504040204" pitchFamily="34" charset="-120"/>
                 <a:ea typeface="Microsoft JhengHei" panose="020B0604030504040204" pitchFamily="34" charset="-120"/>
               </a:rPr>
               <a:t>( </a:t>
             </a:r>
             <a:r>
-              <a:rPr lang="zh-CN" altLang="en-US" sz="4267" b="1" dirty="0" smtClean="0">
+              <a:rPr lang="zh-CN" altLang="en-US" sz="4267" b="1" dirty="0">
                 <a:solidFill>
                   <a:srgbClr val="000066"/>
                 </a:solidFill>
-                <a:effectLst/>
                 <a:latin typeface="Microsoft JhengHei" panose="020B0604030504040204" pitchFamily="34" charset="-120"/>
                 <a:ea typeface="Microsoft JhengHei" panose="020B0604030504040204" pitchFamily="34" charset="-120"/>
               </a:rPr>
-              <a:t>副</a:t>
-            </a:r>
-            <a:r>
-              <a:rPr lang="en-US" sz="4267" b="1" dirty="0" smtClean="0">
+              <a:t>副 </a:t>
+            </a:r>
+            <a:r>
+              <a:rPr lang="en-US" altLang="zh-CN" sz="4267" b="1" dirty="0">
                 <a:solidFill>
                   <a:srgbClr val="000066"/>
                 </a:solidFill>
-                <a:effectLst/>
                 <a:latin typeface="Microsoft JhengHei" panose="020B0604030504040204" pitchFamily="34" charset="-120"/>
                 <a:ea typeface="Microsoft JhengHei" panose="020B0604030504040204" pitchFamily="34" charset="-120"/>
               </a:rPr>
-              <a:t> </a:t>
+              <a:t>2</a:t>
             </a:r>
             <a:r>
               <a:rPr lang="en-US" sz="4267" b="1" dirty="0">
                 <a:solidFill>
                   <a:srgbClr val="000066"/>
                 </a:solidFill>
-                <a:effectLst/>
                 <a:latin typeface="Microsoft JhengHei" panose="020B0604030504040204" pitchFamily="34" charset="-120"/>
                 <a:ea typeface="Microsoft JhengHei" panose="020B0604030504040204" pitchFamily="34" charset="-120"/>
               </a:rPr>
-              <a:t>)</a:t>
+              <a:t> )</a:t>
             </a:r>
             <a:endParaRPr lang="vi-VN" sz="4267" b="1" dirty="0">
               <a:solidFill>
                 <a:srgbClr val="000066"/>
               </a:solidFill>
-              <a:effectLst/>
               <a:latin typeface="Microsoft JhengHei" panose="020B0604030504040204" pitchFamily="34" charset="-120"/>
               <a:ea typeface="Microsoft JhengHei" panose="020B0604030504040204" pitchFamily="34" charset="-120"/>
             </a:endParaRPr>
@@ -12340,7 +12165,7 @@
     </p:spTree>
     <p:extLst>
       <p:ext uri="{BB962C8B-B14F-4D97-AF65-F5344CB8AC3E}">
-        <p14:creationId xmlns:p14="http://schemas.microsoft.com/office/powerpoint/2010/main" val="122875160"/>
+        <p14:creationId xmlns:p14="http://schemas.microsoft.com/office/powerpoint/2010/main" val="1980366289"/>
       </p:ext>
     </p:extLst>
   </p:cSld>
@@ -12401,51 +12226,7 @@
                 <a:latin typeface="微軟正黑體" pitchFamily="34" charset="-120"/>
                 <a:ea typeface="微軟正黑體" pitchFamily="34" charset="-120"/>
               </a:rPr>
-              <a:t>憑著愛 </a:t>
-            </a:r>
-            <a:r>
-              <a:rPr lang="zh-CN" altLang="en-US" sz="6400" b="1" dirty="0">
-                <a:solidFill>
-                  <a:srgbClr val="000066"/>
-                </a:solidFill>
-                <a:effectLst/>
-                <a:latin typeface="微軟正黑體" pitchFamily="34" charset="-120"/>
-                <a:ea typeface="微軟正黑體" pitchFamily="34" charset="-120"/>
-              </a:rPr>
-              <a:t> 人</a:t>
-            </a:r>
-            <a:r>
-              <a:rPr lang="zh-CN" altLang="en-US" sz="6400" b="1" dirty="0">
-                <a:solidFill>
-                  <a:srgbClr val="000066"/>
-                </a:solidFill>
-                <a:effectLst/>
-                <a:latin typeface="微軟正黑體" pitchFamily="34" charset="-120"/>
-                <a:ea typeface="微軟正黑體" pitchFamily="34" charset="-120"/>
-              </a:rPr>
-              <a:t>盡</a:t>
-            </a:r>
-            <a:r>
-              <a:rPr lang="zh-CN" altLang="en-US" sz="6400" b="1" dirty="0">
-                <a:solidFill>
-                  <a:srgbClr val="000066"/>
-                </a:solidFill>
-                <a:effectLst/>
-                <a:latin typeface="微軟正黑體" pitchFamily="34" charset="-120"/>
-                <a:ea typeface="微軟正黑體" pitchFamily="34" charset="-120"/>
-              </a:rPr>
-              <a:t>將身</a:t>
-            </a:r>
-            <a:r>
-              <a:rPr lang="zh-CN" altLang="en-US" sz="6400" b="1" dirty="0">
-                <a:solidFill>
-                  <a:srgbClr val="000066"/>
-                </a:solidFill>
-                <a:effectLst/>
-                <a:latin typeface="微軟正黑體" pitchFamily="34" charset="-120"/>
-                <a:ea typeface="微軟正黑體" pitchFamily="34" charset="-120"/>
-              </a:rPr>
-              <a:t>心相獻</a:t>
+              <a:t>憑著愛  人盡將身心相獻</a:t>
             </a:r>
             <a:endParaRPr lang="en-US" altLang="zh-CN" sz="6400" b="1" dirty="0">
               <a:solidFill>
@@ -12917,7 +12698,7 @@
     </p:spTree>
     <p:extLst>
       <p:ext uri="{BB962C8B-B14F-4D97-AF65-F5344CB8AC3E}">
-        <p14:creationId xmlns:p14="http://schemas.microsoft.com/office/powerpoint/2010/main" val="2672208626"/>
+        <p14:creationId xmlns:p14="http://schemas.microsoft.com/office/powerpoint/2010/main" val="3710430278"/>
       </p:ext>
     </p:extLst>
   </p:cSld>
@@ -13378,7 +13159,7 @@
     </p:spTree>
     <p:extLst>
       <p:ext uri="{BB962C8B-B14F-4D97-AF65-F5344CB8AC3E}">
-        <p14:creationId xmlns:p14="http://schemas.microsoft.com/office/powerpoint/2010/main" val="1405916198"/>
+        <p14:creationId xmlns:p14="http://schemas.microsoft.com/office/powerpoint/2010/main" val="1618504489"/>
       </p:ext>
     </p:extLst>
   </p:cSld>
@@ -13439,29 +13220,7 @@
                 <a:latin typeface="微軟正黑體" pitchFamily="34" charset="-120"/>
                 <a:ea typeface="微軟正黑體" pitchFamily="34" charset="-120"/>
               </a:rPr>
-              <a:t>讓我跟祢走 </a:t>
-            </a:r>
-            <a:r>
-              <a:rPr lang="zh-CN" altLang="en-US" sz="6400" b="1" dirty="0">
-                <a:solidFill>
-                  <a:srgbClr val="000066"/>
-                </a:solidFill>
-                <a:effectLst/>
-                <a:latin typeface="微軟正黑體" pitchFamily="34" charset="-120"/>
-                <a:ea typeface="微軟正黑體" pitchFamily="34" charset="-120"/>
-              </a:rPr>
-              <a:t> 不</a:t>
-            </a:r>
-            <a:r>
-              <a:rPr lang="zh-CN" altLang="en-US" sz="6400" b="1" dirty="0">
-                <a:solidFill>
-                  <a:srgbClr val="000066"/>
-                </a:solidFill>
-                <a:effectLst/>
-                <a:latin typeface="微軟正黑體" pitchFamily="34" charset="-120"/>
-                <a:ea typeface="微軟正黑體" pitchFamily="34" charset="-120"/>
-              </a:rPr>
-              <a:t>需再多慮</a:t>
+              <a:t>讓我跟祢走  不需再多慮</a:t>
             </a:r>
             <a:endParaRPr lang="en-US" altLang="zh-CN" sz="6400" b="1" dirty="0">
               <a:solidFill>
@@ -13882,18 +13641,7 @@
                 <a:latin typeface="Microsoft JhengHei" panose="020B0604030504040204" pitchFamily="34" charset="-120"/>
                 <a:ea typeface="Microsoft JhengHei" panose="020B0604030504040204" pitchFamily="34" charset="-120"/>
               </a:rPr>
-              <a:t> </a:t>
-            </a:r>
-            <a:r>
-              <a:rPr lang="en-US" sz="4267" b="1" dirty="0">
-                <a:solidFill>
-                  <a:srgbClr val="000066"/>
-                </a:solidFill>
-                <a:effectLst/>
-                <a:latin typeface="Microsoft JhengHei" panose="020B0604030504040204" pitchFamily="34" charset="-120"/>
-                <a:ea typeface="Microsoft JhengHei" panose="020B0604030504040204" pitchFamily="34" charset="-120"/>
-              </a:rPr>
-              <a:t>)</a:t>
+              <a:t> )</a:t>
             </a:r>
             <a:endParaRPr lang="vi-VN" sz="4267" b="1" dirty="0">
               <a:solidFill>
@@ -13909,7 +13657,7 @@
     </p:spTree>
     <p:extLst>
       <p:ext uri="{BB962C8B-B14F-4D97-AF65-F5344CB8AC3E}">
-        <p14:creationId xmlns:p14="http://schemas.microsoft.com/office/powerpoint/2010/main" val="649010021"/>
+        <p14:creationId xmlns:p14="http://schemas.microsoft.com/office/powerpoint/2010/main" val="1920817142"/>
       </p:ext>
     </p:extLst>
   </p:cSld>
@@ -14415,18 +14163,7 @@
                 <a:latin typeface="Microsoft JhengHei" panose="020B0604030504040204" pitchFamily="34" charset="-120"/>
                 <a:ea typeface="Microsoft JhengHei" panose="020B0604030504040204" pitchFamily="34" charset="-120"/>
               </a:rPr>
-              <a:t> </a:t>
-            </a:r>
-            <a:r>
-              <a:rPr lang="en-US" sz="4267" b="1" dirty="0">
-                <a:solidFill>
-                  <a:srgbClr val="000066"/>
-                </a:solidFill>
-                <a:effectLst/>
-                <a:latin typeface="Microsoft JhengHei" panose="020B0604030504040204" pitchFamily="34" charset="-120"/>
-                <a:ea typeface="Microsoft JhengHei" panose="020B0604030504040204" pitchFamily="34" charset="-120"/>
-              </a:rPr>
-              <a:t>)</a:t>
+              <a:t> )</a:t>
             </a:r>
             <a:endParaRPr lang="vi-VN" sz="4267" b="1" dirty="0">
               <a:solidFill>
@@ -14442,7 +14179,7 @@
     </p:spTree>
     <p:extLst>
       <p:ext uri="{BB962C8B-B14F-4D97-AF65-F5344CB8AC3E}">
-        <p14:creationId xmlns:p14="http://schemas.microsoft.com/office/powerpoint/2010/main" val="90467447"/>
+        <p14:creationId xmlns:p14="http://schemas.microsoft.com/office/powerpoint/2010/main" val="3410790135"/>
       </p:ext>
     </p:extLst>
   </p:cSld>
@@ -14900,18 +14637,7 @@
                 <a:latin typeface="Microsoft JhengHei" panose="020B0604030504040204" pitchFamily="34" charset="-120"/>
                 <a:ea typeface="Microsoft JhengHei" panose="020B0604030504040204" pitchFamily="34" charset="-120"/>
               </a:rPr>
-              <a:t> </a:t>
-            </a:r>
-            <a:r>
-              <a:rPr lang="en-US" sz="4267" b="1" dirty="0">
-                <a:solidFill>
-                  <a:srgbClr val="000066"/>
-                </a:solidFill>
-                <a:effectLst/>
-                <a:latin typeface="Microsoft JhengHei" panose="020B0604030504040204" pitchFamily="34" charset="-120"/>
-                <a:ea typeface="Microsoft JhengHei" panose="020B0604030504040204" pitchFamily="34" charset="-120"/>
-              </a:rPr>
-              <a:t>)</a:t>
+              <a:t> )</a:t>
             </a:r>
             <a:endParaRPr lang="vi-VN" sz="4267" b="1" dirty="0">
               <a:solidFill>
@@ -14927,7 +14653,7 @@
     </p:spTree>
     <p:extLst>
       <p:ext uri="{BB962C8B-B14F-4D97-AF65-F5344CB8AC3E}">
-        <p14:creationId xmlns:p14="http://schemas.microsoft.com/office/powerpoint/2010/main" val="3799749039"/>
+        <p14:creationId xmlns:p14="http://schemas.microsoft.com/office/powerpoint/2010/main" val="37628095"/>
       </p:ext>
     </p:extLst>
   </p:cSld>
@@ -14988,29 +14714,7 @@
                 <a:latin typeface="微軟正黑體" pitchFamily="34" charset="-120"/>
                 <a:ea typeface="微軟正黑體" pitchFamily="34" charset="-120"/>
               </a:rPr>
-              <a:t>謝祢的救恩 </a:t>
-            </a:r>
-            <a:r>
-              <a:rPr lang="zh-CN" altLang="en-US" sz="6400" b="1" dirty="0">
-                <a:solidFill>
-                  <a:srgbClr val="000066"/>
-                </a:solidFill>
-                <a:effectLst/>
-                <a:latin typeface="微軟正黑體" pitchFamily="34" charset="-120"/>
-                <a:ea typeface="微軟正黑體" pitchFamily="34" charset="-120"/>
-              </a:rPr>
-              <a:t> 清</a:t>
-            </a:r>
-            <a:r>
-              <a:rPr lang="zh-CN" altLang="en-US" sz="6400" b="1" dirty="0">
-                <a:solidFill>
-                  <a:srgbClr val="000066"/>
-                </a:solidFill>
-                <a:effectLst/>
-                <a:latin typeface="微軟正黑體" pitchFamily="34" charset="-120"/>
-                <a:ea typeface="微軟正黑體" pitchFamily="34" charset="-120"/>
-              </a:rPr>
-              <a:t>洗我的罪 </a:t>
+              <a:t>謝祢的救恩  清洗我的罪 </a:t>
             </a:r>
             <a:endParaRPr lang="en-US" altLang="zh-CN" sz="6400" b="1" dirty="0">
               <a:solidFill>
@@ -15482,18 +15186,7 @@
                 <a:latin typeface="Microsoft JhengHei" panose="020B0604030504040204" pitchFamily="34" charset="-120"/>
                 <a:ea typeface="Microsoft JhengHei" panose="020B0604030504040204" pitchFamily="34" charset="-120"/>
               </a:rPr>
-              <a:t> </a:t>
-            </a:r>
-            <a:r>
-              <a:rPr lang="en-US" sz="4267" b="1" dirty="0">
-                <a:solidFill>
-                  <a:srgbClr val="000066"/>
-                </a:solidFill>
-                <a:effectLst/>
-                <a:latin typeface="Microsoft JhengHei" panose="020B0604030504040204" pitchFamily="34" charset="-120"/>
-                <a:ea typeface="Microsoft JhengHei" panose="020B0604030504040204" pitchFamily="34" charset="-120"/>
-              </a:rPr>
-              <a:t>)</a:t>
+              <a:t> )</a:t>
             </a:r>
             <a:endParaRPr lang="vi-VN" sz="4267" b="1" dirty="0">
               <a:solidFill>
@@ -15509,7 +15202,7 @@
     </p:spTree>
     <p:extLst>
       <p:ext uri="{BB962C8B-B14F-4D97-AF65-F5344CB8AC3E}">
-        <p14:creationId xmlns:p14="http://schemas.microsoft.com/office/powerpoint/2010/main" val="3904210538"/>
+        <p14:creationId xmlns:p14="http://schemas.microsoft.com/office/powerpoint/2010/main" val="3666415928"/>
       </p:ext>
     </p:extLst>
   </p:cSld>
@@ -15570,29 +15263,7 @@
                 <a:latin typeface="微軟正黑體" pitchFamily="34" charset="-120"/>
                 <a:ea typeface="微軟正黑體" pitchFamily="34" charset="-120"/>
               </a:rPr>
-              <a:t>讓我牽祢手 </a:t>
-            </a:r>
-            <a:r>
-              <a:rPr lang="zh-CN" altLang="en-US" sz="6400" b="1" dirty="0">
-                <a:solidFill>
-                  <a:srgbClr val="000066"/>
-                </a:solidFill>
-                <a:effectLst/>
-                <a:latin typeface="微軟正黑體" pitchFamily="34" charset="-120"/>
-                <a:ea typeface="微軟正黑體" pitchFamily="34" charset="-120"/>
-              </a:rPr>
-              <a:t> 不</a:t>
-            </a:r>
-            <a:r>
-              <a:rPr lang="zh-CN" altLang="en-US" sz="6400" b="1" dirty="0">
-                <a:solidFill>
-                  <a:srgbClr val="000066"/>
-                </a:solidFill>
-                <a:effectLst/>
-                <a:latin typeface="微軟正黑體" pitchFamily="34" charset="-120"/>
-                <a:ea typeface="微軟正黑體" pitchFamily="34" charset="-120"/>
-              </a:rPr>
-              <a:t>必再憂慮 </a:t>
+              <a:t>讓我牽祢手  不必再憂慮 </a:t>
             </a:r>
             <a:endParaRPr lang="en-US" altLang="zh-CN" sz="6400" b="1" dirty="0">
               <a:solidFill>
@@ -16037,18 +15708,7 @@
                 <a:latin typeface="Microsoft JhengHei" panose="020B0604030504040204" pitchFamily="34" charset="-120"/>
                 <a:ea typeface="Microsoft JhengHei" panose="020B0604030504040204" pitchFamily="34" charset="-120"/>
               </a:rPr>
-              <a:t> </a:t>
-            </a:r>
-            <a:r>
-              <a:rPr lang="en-US" sz="4267" b="1" dirty="0">
-                <a:solidFill>
-                  <a:srgbClr val="000066"/>
-                </a:solidFill>
-                <a:effectLst/>
-                <a:latin typeface="Microsoft JhengHei" panose="020B0604030504040204" pitchFamily="34" charset="-120"/>
-                <a:ea typeface="Microsoft JhengHei" panose="020B0604030504040204" pitchFamily="34" charset="-120"/>
-              </a:rPr>
-              <a:t>)</a:t>
+              <a:t> )</a:t>
             </a:r>
             <a:endParaRPr lang="vi-VN" sz="4267" b="1" dirty="0">
               <a:solidFill>
@@ -16064,7 +15724,7 @@
     </p:spTree>
     <p:extLst>
       <p:ext uri="{BB962C8B-B14F-4D97-AF65-F5344CB8AC3E}">
-        <p14:creationId xmlns:p14="http://schemas.microsoft.com/office/powerpoint/2010/main" val="620455257"/>
+        <p14:creationId xmlns:p14="http://schemas.microsoft.com/office/powerpoint/2010/main" val="4068970304"/>
       </p:ext>
     </p:extLst>
   </p:cSld>
@@ -16125,29 +15785,7 @@
                 <a:latin typeface="微軟正黑體" pitchFamily="34" charset="-120"/>
                 <a:ea typeface="微軟正黑體" pitchFamily="34" charset="-120"/>
               </a:rPr>
-              <a:t>憑著愛能盡拋 </a:t>
-            </a:r>
-            <a:r>
-              <a:rPr lang="zh-CN" altLang="en-US" sz="6400" b="1" dirty="0">
-                <a:solidFill>
-                  <a:srgbClr val="000066"/>
-                </a:solidFill>
-                <a:effectLst/>
-                <a:latin typeface="微軟正黑體" pitchFamily="34" charset="-120"/>
-                <a:ea typeface="微軟正黑體" pitchFamily="34" charset="-120"/>
-              </a:rPr>
-              <a:t> 空</a:t>
-            </a:r>
-            <a:r>
-              <a:rPr lang="zh-CN" altLang="en-US" sz="6400" b="1" dirty="0">
-                <a:solidFill>
-                  <a:srgbClr val="000066"/>
-                </a:solidFill>
-                <a:effectLst/>
-                <a:latin typeface="微軟正黑體" pitchFamily="34" charset="-120"/>
-                <a:ea typeface="微軟正黑體" pitchFamily="34" charset="-120"/>
-              </a:rPr>
-              <a:t>虛鬱結</a:t>
+              <a:t>憑著愛能盡拋  空虛鬱結</a:t>
             </a:r>
             <a:endParaRPr lang="en-US" altLang="zh-CN" sz="6400" b="1" dirty="0">
               <a:solidFill>
@@ -16688,18 +16326,7 @@
                 <a:latin typeface="Microsoft JhengHei" panose="020B0604030504040204" pitchFamily="34" charset="-120"/>
                 <a:ea typeface="Microsoft JhengHei" panose="020B0604030504040204" pitchFamily="34" charset="-120"/>
               </a:rPr>
-              <a:t> </a:t>
-            </a:r>
-            <a:r>
-              <a:rPr lang="en-US" sz="4267" b="1" dirty="0">
-                <a:solidFill>
-                  <a:srgbClr val="000066"/>
-                </a:solidFill>
-                <a:effectLst/>
-                <a:latin typeface="Microsoft JhengHei" panose="020B0604030504040204" pitchFamily="34" charset="-120"/>
-                <a:ea typeface="Microsoft JhengHei" panose="020B0604030504040204" pitchFamily="34" charset="-120"/>
-              </a:rPr>
-              <a:t>)</a:t>
+              <a:t> )</a:t>
             </a:r>
             <a:endParaRPr lang="vi-VN" sz="4267" b="1" dirty="0">
               <a:solidFill>
@@ -16715,7 +16342,7 @@
     </p:spTree>
     <p:extLst>
       <p:ext uri="{BB962C8B-B14F-4D97-AF65-F5344CB8AC3E}">
-        <p14:creationId xmlns:p14="http://schemas.microsoft.com/office/powerpoint/2010/main" val="869318306"/>
+        <p14:creationId xmlns:p14="http://schemas.microsoft.com/office/powerpoint/2010/main" val="3780512325"/>
       </p:ext>
     </p:extLst>
   </p:cSld>
@@ -17173,18 +16800,7 @@
                 <a:latin typeface="Microsoft JhengHei" panose="020B0604030504040204" pitchFamily="34" charset="-120"/>
                 <a:ea typeface="Microsoft JhengHei" panose="020B0604030504040204" pitchFamily="34" charset="-120"/>
               </a:rPr>
-              <a:t> </a:t>
-            </a:r>
-            <a:r>
-              <a:rPr lang="en-US" sz="4267" b="1" dirty="0">
-                <a:solidFill>
-                  <a:srgbClr val="000066"/>
-                </a:solidFill>
-                <a:effectLst/>
-                <a:latin typeface="Microsoft JhengHei" panose="020B0604030504040204" pitchFamily="34" charset="-120"/>
-                <a:ea typeface="Microsoft JhengHei" panose="020B0604030504040204" pitchFamily="34" charset="-120"/>
-              </a:rPr>
-              <a:t>)</a:t>
+              <a:t> )</a:t>
             </a:r>
             <a:endParaRPr lang="vi-VN" sz="4267" b="1" dirty="0">
               <a:solidFill>
@@ -17200,7 +16816,7 @@
     </p:spTree>
     <p:extLst>
       <p:ext uri="{BB962C8B-B14F-4D97-AF65-F5344CB8AC3E}">
-        <p14:creationId xmlns:p14="http://schemas.microsoft.com/office/powerpoint/2010/main" val="3380123380"/>
+        <p14:creationId xmlns:p14="http://schemas.microsoft.com/office/powerpoint/2010/main" val="2562965392"/>
       </p:ext>
     </p:extLst>
   </p:cSld>
